--- a/SYP- Präsi (1).pptx
+++ b/SYP- Präsi (1).pptx
@@ -1088,7 +1088,7 @@
           <a:lstStyle/>
           <a:p>
             <a:pPr rtl="0"/>
-            <a:endParaRPr lang="de-DE"/>
+            <a:endParaRPr lang="de-DE" dirty="0"/>
           </a:p>
         </p:txBody>
       </p:sp>
@@ -15299,7 +15299,7 @@
         <p:spPr>
           <a:xfrm>
             <a:off x="1494560" y="2273878"/>
-            <a:ext cx="2474767" cy="2585323"/>
+            <a:ext cx="2474767" cy="2862322"/>
           </a:xfrm>
           <a:prstGeom prst="rect">
             <a:avLst/>
@@ -15320,7 +15320,7 @@
               <a:buChar char="§"/>
             </a:pPr>
             <a:r>
-              <a:rPr lang="en-US" dirty="0">
+              <a:rPr lang="en-US" sz="2000" dirty="0">
                 <a:solidFill>
                   <a:schemeClr val="bg1"/>
                 </a:solidFill>
@@ -15328,7 +15328,7 @@
               <a:t>Felix </a:t>
             </a:r>
             <a:r>
-              <a:rPr lang="en-US" dirty="0" err="1">
+              <a:rPr lang="en-US" sz="2000" dirty="0" err="1">
                 <a:solidFill>
                   <a:schemeClr val="bg1"/>
                 </a:solidFill>
@@ -15336,7 +15336,7 @@
               <a:t>Jopkiewicz</a:t>
             </a:r>
             <a:r>
-              <a:rPr lang="en-US" dirty="0">
+              <a:rPr lang="en-US" sz="2000" dirty="0">
                 <a:solidFill>
                   <a:schemeClr val="bg1"/>
                 </a:solidFill>
@@ -15346,7 +15346,7 @@
           </a:p>
           <a:p>
             <a:r>
-              <a:rPr lang="en-US" dirty="0">
+              <a:rPr lang="en-US" sz="2000" dirty="0">
                 <a:solidFill>
                   <a:schemeClr val="bg1"/>
                 </a:solidFill>
@@ -15360,7 +15360,7 @@
               <a:buChar char="§"/>
             </a:pPr>
             <a:r>
-              <a:rPr lang="en-US" dirty="0">
+              <a:rPr lang="en-US" sz="2000" dirty="0">
                 <a:solidFill>
                   <a:schemeClr val="bg1"/>
                 </a:solidFill>
@@ -15370,7 +15370,7 @@
           </a:p>
           <a:p>
             <a:r>
-              <a:rPr lang="en-US" dirty="0">
+              <a:rPr lang="en-US" sz="2000" dirty="0">
                 <a:solidFill>
                   <a:schemeClr val="bg1"/>
                 </a:solidFill>
@@ -15384,7 +15384,7 @@
               <a:buChar char="§"/>
             </a:pPr>
             <a:r>
-              <a:rPr lang="en-US" dirty="0" err="1">
+              <a:rPr lang="en-US" sz="2000" dirty="0" err="1">
                 <a:solidFill>
                   <a:schemeClr val="bg1"/>
                 </a:solidFill>
@@ -15392,7 +15392,7 @@
               <a:t>Dejan</a:t>
             </a:r>
             <a:r>
-              <a:rPr lang="en-US" dirty="0">
+              <a:rPr lang="en-US" sz="2000" dirty="0">
                 <a:solidFill>
                   <a:schemeClr val="bg1"/>
                 </a:solidFill>
@@ -15400,14 +15400,14 @@
               <a:t> </a:t>
             </a:r>
             <a:r>
-              <a:rPr lang="en-US" dirty="0" err="1">
+              <a:rPr lang="en-US" sz="2000" dirty="0" err="1">
                 <a:solidFill>
                   <a:schemeClr val="bg1"/>
                 </a:solidFill>
               </a:rPr>
               <a:t>Sunaric</a:t>
             </a:r>
-            <a:endParaRPr lang="en-US" dirty="0">
+            <a:endParaRPr lang="en-US" sz="2000" dirty="0">
               <a:solidFill>
                 <a:schemeClr val="bg1"/>
               </a:solidFill>
@@ -15418,7 +15418,7 @@
               <a:buFont typeface="Wingdings"/>
               <a:buChar char="§"/>
             </a:pPr>
-            <a:endParaRPr lang="en-US" dirty="0">
+            <a:endParaRPr lang="en-US" sz="2000" dirty="0">
               <a:solidFill>
                 <a:schemeClr val="bg1"/>
               </a:solidFill>
@@ -15430,7 +15430,7 @@
               <a:buChar char="§"/>
             </a:pPr>
             <a:r>
-              <a:rPr lang="en-US" dirty="0">
+              <a:rPr lang="en-US" sz="2000" dirty="0">
                 <a:solidFill>
                   <a:schemeClr val="bg1"/>
                 </a:solidFill>
@@ -15438,14 +15438,14 @@
               <a:t>Fabio </a:t>
             </a:r>
             <a:r>
-              <a:rPr lang="en-US" dirty="0" err="1">
+              <a:rPr lang="en-US" sz="2000" dirty="0" err="1">
                 <a:solidFill>
                   <a:schemeClr val="bg1"/>
                 </a:solidFill>
               </a:rPr>
               <a:t>Boran</a:t>
             </a:r>
-            <a:endParaRPr lang="en-US" dirty="0">
+            <a:endParaRPr lang="en-US" sz="2000" dirty="0">
               <a:solidFill>
                 <a:schemeClr val="bg1"/>
               </a:solidFill>
@@ -15456,7 +15456,7 @@
               <a:buFont typeface="Wingdings"/>
               <a:buChar char="§"/>
             </a:pPr>
-            <a:endParaRPr lang="en-US" dirty="0">
+            <a:endParaRPr lang="en-US" sz="2000" dirty="0">
               <a:solidFill>
                 <a:schemeClr val="bg1"/>
               </a:solidFill>
@@ -15468,7 +15468,7 @@
               <a:buChar char="§"/>
             </a:pPr>
             <a:r>
-              <a:rPr lang="en-US" dirty="0" err="1">
+              <a:rPr lang="en-US" sz="2000" dirty="0" err="1">
                 <a:solidFill>
                   <a:schemeClr val="bg1"/>
                 </a:solidFill>
@@ -15476,7 +15476,7 @@
               <a:t>Eldi</a:t>
             </a:r>
             <a:r>
-              <a:rPr lang="en-US" dirty="0">
+              <a:rPr lang="en-US" sz="2000" dirty="0">
                 <a:solidFill>
                   <a:schemeClr val="bg1"/>
                 </a:solidFill>
@@ -15484,14 +15484,14 @@
               <a:t> </a:t>
             </a:r>
             <a:r>
-              <a:rPr lang="en-US" dirty="0" err="1">
+              <a:rPr lang="en-US" sz="2000" dirty="0" err="1">
                 <a:solidFill>
                   <a:schemeClr val="bg1"/>
                 </a:solidFill>
               </a:rPr>
               <a:t>Neziri</a:t>
             </a:r>
-            <a:endParaRPr lang="en-US" dirty="0">
+            <a:endParaRPr lang="en-US" sz="2000" dirty="0">
               <a:solidFill>
                 <a:schemeClr val="bg1"/>
               </a:solidFill>
@@ -15514,7 +15514,7 @@
         <p:spPr>
           <a:xfrm>
             <a:off x="4611832" y="2273877"/>
-            <a:ext cx="6198176" cy="2585323"/>
+            <a:ext cx="6741968" cy="2862322"/>
           </a:xfrm>
           <a:prstGeom prst="rect">
             <a:avLst/>
@@ -15531,16 +15531,16 @@
           <a:lstStyle/>
           <a:p>
             <a:r>
-              <a:rPr lang="en-US">
+              <a:rPr lang="en-US" sz="2000" dirty="0">
                 <a:solidFill>
                   <a:schemeClr val="bg1"/>
                 </a:solidFill>
               </a:rPr>
-              <a:t>Project leader, Co Website Developer, Paperwork</a:t>
-            </a:r>
-          </a:p>
-          <a:p>
-            <a:endParaRPr lang="en-US">
+              <a:t>Project leader, Co. Website Developer, Paperwork</a:t>
+            </a:r>
+          </a:p>
+          <a:p>
+            <a:endParaRPr lang="en-US" sz="2000" dirty="0">
               <a:solidFill>
                 <a:schemeClr val="bg1"/>
               </a:solidFill>
@@ -15548,16 +15548,16 @@
           </a:p>
           <a:p>
             <a:r>
-              <a:rPr lang="en-US">
+              <a:rPr lang="en-US" sz="2000" dirty="0">
                 <a:solidFill>
                   <a:schemeClr val="bg1"/>
                 </a:solidFill>
               </a:rPr>
-              <a:t>Co Backend Developer, Leading Simulation Developer</a:t>
-            </a:r>
-          </a:p>
-          <a:p>
-            <a:endParaRPr lang="en-US">
+              <a:t>Co. Backend Developer, Leading Simulation Developer</a:t>
+            </a:r>
+          </a:p>
+          <a:p>
+            <a:endParaRPr lang="en-US" sz="2000" dirty="0">
               <a:solidFill>
                 <a:schemeClr val="bg1"/>
               </a:solidFill>
@@ -15565,7 +15565,7 @@
           </a:p>
           <a:p>
             <a:r>
-              <a:rPr lang="en-US">
+              <a:rPr lang="en-US" sz="2000" dirty="0">
                 <a:solidFill>
                   <a:schemeClr val="bg1"/>
                 </a:solidFill>
@@ -15574,7 +15574,7 @@
             </a:r>
           </a:p>
           <a:p>
-            <a:endParaRPr lang="en-US">
+            <a:endParaRPr lang="en-US" sz="2000" dirty="0">
               <a:solidFill>
                 <a:schemeClr val="bg1"/>
               </a:solidFill>
@@ -15582,16 +15582,16 @@
           </a:p>
           <a:p>
             <a:r>
-              <a:rPr lang="en-US">
+              <a:rPr lang="en-US" sz="2000" dirty="0">
                 <a:solidFill>
                   <a:schemeClr val="bg1"/>
                 </a:solidFill>
               </a:rPr>
-              <a:t>Leading Backend Developer, Co Simulation Developer</a:t>
-            </a:r>
-          </a:p>
-          <a:p>
-            <a:endParaRPr lang="en-US">
+              <a:t>Leading Backend Developer, Co. Simulation Developer</a:t>
+            </a:r>
+          </a:p>
+          <a:p>
+            <a:endParaRPr lang="en-US" sz="2000" dirty="0">
               <a:solidFill>
                 <a:schemeClr val="bg1"/>
               </a:solidFill>
@@ -15599,7 +15599,7 @@
           </a:p>
           <a:p>
             <a:r>
-              <a:rPr lang="en-US">
+              <a:rPr lang="en-US" sz="2000" dirty="0">
                 <a:solidFill>
                   <a:schemeClr val="bg1"/>
                 </a:solidFill>
@@ -15686,117 +15686,6 @@
           <a:chExt cx="0" cy="0"/>
         </a:xfrm>
       </p:grpSpPr>
-      <p:sp>
-        <p:nvSpPr>
-          <p:cNvPr id="6" name="Textplatzhalter 5">
-            <a:extLst>
-              <a:ext uri="{FF2B5EF4-FFF2-40B4-BE49-F238E27FC236}">
-                <a16:creationId xmlns:a16="http://schemas.microsoft.com/office/drawing/2014/main" id="{32AE43E3-E3DE-481E-9B87-7B1F8783A606}"/>
-              </a:ext>
-            </a:extLst>
-          </p:cNvPr>
-          <p:cNvSpPr>
-            <a:spLocks noGrp="1"/>
-          </p:cNvSpPr>
-          <p:nvPr>
-            <p:ph type="body" sz="quarter" idx="13"/>
-          </p:nvPr>
-        </p:nvSpPr>
-        <p:spPr>
-          <a:xfrm>
-            <a:off x="774031" y="2225392"/>
-            <a:ext cx="5319890" cy="3776980"/>
-          </a:xfrm>
-        </p:spPr>
-        <p:txBody>
-          <a:bodyPr vert="horz" lIns="91440" tIns="45720" rIns="91440" bIns="45720" rtlCol="0" anchor="t">
-            <a:normAutofit fontScale="92500" lnSpcReduction="20000"/>
-          </a:bodyPr>
-          <a:lstStyle/>
-          <a:p>
-            <a:pPr marL="342900" indent="-342900">
-              <a:buChar char="•"/>
-            </a:pPr>
-            <a:r>
-              <a:rPr lang="en-US">
-                <a:solidFill>
-                  <a:schemeClr val="bg1"/>
-                </a:solidFill>
-              </a:rPr>
-              <a:t>Students wanted to stay longer after their regular classes</a:t>
-            </a:r>
-          </a:p>
-          <a:p>
-            <a:pPr marL="342900" indent="-342900">
-              <a:buChar char="•"/>
-            </a:pPr>
-            <a:endParaRPr lang="en-US">
-              <a:solidFill>
-                <a:schemeClr val="bg1"/>
-              </a:solidFill>
-            </a:endParaRPr>
-          </a:p>
-          <a:p>
-            <a:pPr marL="342900" indent="-342900">
-              <a:buChar char="•"/>
-            </a:pPr>
-            <a:r>
-              <a:rPr lang="en-US">
-                <a:solidFill>
-                  <a:schemeClr val="bg1"/>
-                </a:solidFill>
-              </a:rPr>
-              <a:t>The housekeeper is responsible for these students</a:t>
-            </a:r>
-          </a:p>
-          <a:p>
-            <a:pPr marL="342900" indent="-342900">
-              <a:buChar char="•"/>
-            </a:pPr>
-            <a:endParaRPr lang="en-US">
-              <a:solidFill>
-                <a:schemeClr val="bg1"/>
-              </a:solidFill>
-            </a:endParaRPr>
-          </a:p>
-          <a:p>
-            <a:pPr marL="342900" indent="-342900">
-              <a:buChar char="•"/>
-            </a:pPr>
-            <a:r>
-              <a:rPr lang="en-US">
-                <a:solidFill>
-                  <a:schemeClr val="bg1"/>
-                </a:solidFill>
-              </a:rPr>
-              <a:t>Houskeeper lacks the information about students in the building</a:t>
-            </a:r>
-          </a:p>
-          <a:p>
-            <a:pPr marL="342900" indent="-342900">
-              <a:buChar char="•"/>
-            </a:pPr>
-            <a:endParaRPr lang="en-US">
-              <a:solidFill>
-                <a:schemeClr val="bg1"/>
-              </a:solidFill>
-            </a:endParaRPr>
-          </a:p>
-          <a:p>
-            <a:pPr marL="342900" indent="-342900">
-              <a:buChar char="•"/>
-            </a:pPr>
-            <a:r>
-              <a:rPr lang="en-US">
-                <a:solidFill>
-                  <a:schemeClr val="bg1"/>
-                </a:solidFill>
-              </a:rPr>
-              <a:t>Solution: Website for people with authority to have an insight over the locations of students in school after their regular classes</a:t>
-            </a:r>
-          </a:p>
-        </p:txBody>
-      </p:sp>
       <p:pic>
         <p:nvPicPr>
           <p:cNvPr id="14" name="Bildplatzhalter 13" descr="Futuristisches Design eines Bürogebäudes vor dem wolkenlosen Himmel">
@@ -15820,11 +15709,122 @@
         </p:blipFill>
         <p:spPr>
           <a:xfrm>
-            <a:off x="5922410" y="0"/>
+            <a:off x="6355234" y="0"/>
             <a:ext cx="6103621" cy="6858000"/>
           </a:xfrm>
         </p:spPr>
       </p:pic>
+      <p:sp>
+        <p:nvSpPr>
+          <p:cNvPr id="6" name="Textplatzhalter 5">
+            <a:extLst>
+              <a:ext uri="{FF2B5EF4-FFF2-40B4-BE49-F238E27FC236}">
+                <a16:creationId xmlns:a16="http://schemas.microsoft.com/office/drawing/2014/main" id="{32AE43E3-E3DE-481E-9B87-7B1F8783A606}"/>
+              </a:ext>
+            </a:extLst>
+          </p:cNvPr>
+          <p:cNvSpPr>
+            <a:spLocks noGrp="1"/>
+          </p:cNvSpPr>
+          <p:nvPr>
+            <p:ph type="body" sz="quarter" idx="13"/>
+          </p:nvPr>
+        </p:nvSpPr>
+        <p:spPr>
+          <a:xfrm>
+            <a:off x="128077" y="2225391"/>
+            <a:ext cx="6289499" cy="4465377"/>
+          </a:xfrm>
+        </p:spPr>
+        <p:txBody>
+          <a:bodyPr vert="horz" lIns="91440" tIns="45720" rIns="91440" bIns="45720" rtlCol="0" anchor="t">
+            <a:normAutofit fontScale="92500" lnSpcReduction="10000"/>
+          </a:bodyPr>
+          <a:lstStyle/>
+          <a:p>
+            <a:pPr marL="342900" indent="-342900">
+              <a:buChar char="•"/>
+            </a:pPr>
+            <a:r>
+              <a:rPr lang="en-US" sz="2400" dirty="0">
+                <a:solidFill>
+                  <a:schemeClr val="bg1"/>
+                </a:solidFill>
+              </a:rPr>
+              <a:t>Students wanted to stay longer after their regular classes</a:t>
+            </a:r>
+          </a:p>
+          <a:p>
+            <a:pPr marL="342900" indent="-342900">
+              <a:buChar char="•"/>
+            </a:pPr>
+            <a:endParaRPr lang="en-US" sz="2400" dirty="0">
+              <a:solidFill>
+                <a:schemeClr val="bg1"/>
+              </a:solidFill>
+            </a:endParaRPr>
+          </a:p>
+          <a:p>
+            <a:pPr marL="342900" indent="-342900">
+              <a:buChar char="•"/>
+            </a:pPr>
+            <a:r>
+              <a:rPr lang="en-US" sz="2400" dirty="0">
+                <a:solidFill>
+                  <a:schemeClr val="bg1"/>
+                </a:solidFill>
+              </a:rPr>
+              <a:t>The housekeeper is responsible for these students</a:t>
+            </a:r>
+          </a:p>
+          <a:p>
+            <a:pPr marL="342900" indent="-342900">
+              <a:buChar char="•"/>
+            </a:pPr>
+            <a:endParaRPr lang="en-US" sz="2400" dirty="0">
+              <a:solidFill>
+                <a:schemeClr val="bg1"/>
+              </a:solidFill>
+            </a:endParaRPr>
+          </a:p>
+          <a:p>
+            <a:pPr marL="342900" indent="-342900">
+              <a:buChar char="•"/>
+            </a:pPr>
+            <a:r>
+              <a:rPr lang="en-US" sz="2400" dirty="0">
+                <a:solidFill>
+                  <a:schemeClr val="bg1"/>
+                </a:solidFill>
+              </a:rPr>
+              <a:t>Housekeeper lacks the information about students in the building</a:t>
+            </a:r>
+          </a:p>
+          <a:p>
+            <a:pPr marL="342900" indent="-342900">
+              <a:buChar char="•"/>
+            </a:pPr>
+            <a:endParaRPr lang="en-US" sz="2400" dirty="0">
+              <a:solidFill>
+                <a:schemeClr val="bg1"/>
+              </a:solidFill>
+            </a:endParaRPr>
+          </a:p>
+          <a:p>
+            <a:pPr marL="342900" indent="-342900">
+              <a:buChar char="•"/>
+            </a:pPr>
+            <a:r>
+              <a:rPr lang="en-US" sz="2400" dirty="0">
+                <a:solidFill>
+                  <a:schemeClr val="bg1"/>
+                </a:solidFill>
+              </a:rPr>
+              <a:t>Solution: Website for people with authority to have an insight over the locations of students in school after their regular classes</a:t>
+            </a:r>
+          </a:p>
+        </p:txBody>
+      </p:sp>
       <p:sp>
         <p:nvSpPr>
           <p:cNvPr id="2" name="Foliennummernplatzhalter 1">
@@ -16208,8 +16208,8 @@
         </p:nvSpPr>
         <p:spPr>
           <a:xfrm>
-            <a:off x="9174483" y="3606707"/>
-            <a:ext cx="579627" cy="1201514"/>
+            <a:off x="9174483" y="3552730"/>
+            <a:ext cx="579627" cy="1273269"/>
           </a:xfrm>
           <a:prstGeom prst="rect">
             <a:avLst/>
@@ -16260,8 +16260,8 @@
         </p:nvSpPr>
         <p:spPr>
           <a:xfrm>
-            <a:off x="2666493" y="3563410"/>
-            <a:ext cx="579627" cy="2921209"/>
+            <a:off x="3199893" y="3563410"/>
+            <a:ext cx="579627" cy="3218390"/>
           </a:xfrm>
           <a:prstGeom prst="rect">
             <a:avLst/>
@@ -16421,7 +16421,7 @@
               </a:lnSpc>
             </a:pPr>
             <a:r>
-              <a:rPr lang="de-DE"/>
+              <a:rPr lang="de-DE" sz="1600" b="1" dirty="0"/>
               <a:t>Mongo DB</a:t>
             </a:r>
           </a:p>
@@ -16431,7 +16431,7 @@
                 <a:spcPct val="110000"/>
               </a:lnSpc>
             </a:pPr>
-            <a:endParaRPr lang="de-DE"/>
+            <a:endParaRPr lang="de-DE" sz="1600" b="1" dirty="0"/>
           </a:p>
           <a:p>
             <a:pPr marL="179705" indent="-179705">
@@ -16440,7 +16440,7 @@
               </a:lnSpc>
             </a:pPr>
             <a:r>
-              <a:rPr lang="de-DE"/>
+              <a:rPr lang="de-DE" sz="1600" b="1" dirty="0"/>
               <a:t>Visual Studio 2017</a:t>
             </a:r>
           </a:p>
@@ -16450,7 +16450,7 @@
                 <a:spcPct val="110000"/>
               </a:lnSpc>
             </a:pPr>
-            <a:endParaRPr lang="de-DE"/>
+            <a:endParaRPr lang="de-DE" sz="1600" b="1" dirty="0"/>
           </a:p>
           <a:p>
             <a:pPr marL="179705" indent="-179705">
@@ -16459,7 +16459,7 @@
               </a:lnSpc>
             </a:pPr>
             <a:r>
-              <a:rPr lang="de-DE"/>
+              <a:rPr lang="de-DE" sz="1600" b="1" dirty="0"/>
               <a:t>HTML 5</a:t>
             </a:r>
           </a:p>
@@ -16469,7 +16469,7 @@
                 <a:spcPct val="110000"/>
               </a:lnSpc>
             </a:pPr>
-            <a:endParaRPr lang="de-DE"/>
+            <a:endParaRPr lang="de-DE" sz="1600" b="1" dirty="0"/>
           </a:p>
           <a:p>
             <a:pPr marL="179705" indent="-179705">
@@ -16478,7 +16478,7 @@
               </a:lnSpc>
             </a:pPr>
             <a:r>
-              <a:rPr lang="de-DE"/>
+              <a:rPr lang="de-DE" sz="1600" b="1" dirty="0"/>
               <a:t>CSS 3</a:t>
             </a:r>
           </a:p>
@@ -16488,7 +16488,7 @@
                 <a:spcPct val="110000"/>
               </a:lnSpc>
             </a:pPr>
-            <a:endParaRPr lang="de-DE"/>
+            <a:endParaRPr lang="de-DE" sz="1600" b="1" dirty="0"/>
           </a:p>
           <a:p>
             <a:pPr marL="179705" indent="-179705">
@@ -16497,9 +16497,10 @@
               </a:lnSpc>
             </a:pPr>
             <a:r>
-              <a:rPr lang="de-DE" err="1"/>
+              <a:rPr lang="de-DE" sz="1600" b="1" dirty="0" err="1"/>
               <a:t>Node.Js</a:t>
             </a:r>
+            <a:endParaRPr lang="de-DE" sz="1600" b="1" dirty="0"/>
           </a:p>
           <a:p>
             <a:pPr marL="179705" indent="-179705">
@@ -16507,7 +16508,7 @@
                 <a:spcPct val="110000"/>
               </a:lnSpc>
             </a:pPr>
-            <a:endParaRPr lang="de-DE"/>
+            <a:endParaRPr lang="de-DE" sz="1600" b="1" dirty="0"/>
           </a:p>
         </p:txBody>
       </p:sp>
@@ -16572,10 +16573,10 @@
               </a:lnSpc>
             </a:pPr>
             <a:r>
-              <a:rPr lang="de-DE" dirty="0" err="1"/>
+              <a:rPr lang="de-DE" sz="1600" b="1" dirty="0" err="1"/>
               <a:t>Discord</a:t>
             </a:r>
-            <a:endParaRPr lang="de-DE" dirty="0"/>
+            <a:endParaRPr lang="de-DE" sz="1600" b="1" dirty="0"/>
           </a:p>
           <a:p>
             <a:pPr marL="285750" indent="-285750">
@@ -16583,7 +16584,7 @@
                 <a:spcPct val="100000"/>
               </a:lnSpc>
             </a:pPr>
-            <a:endParaRPr lang="de-DE" dirty="0"/>
+            <a:endParaRPr lang="de-DE" sz="1600" b="1" dirty="0"/>
           </a:p>
           <a:p>
             <a:pPr marL="285750" indent="-285750">
@@ -16591,7 +16592,7 @@
                 <a:spcPct val="100000"/>
               </a:lnSpc>
             </a:pPr>
-            <a:endParaRPr lang="de-DE" dirty="0"/>
+            <a:endParaRPr lang="de-DE" sz="1600" b="1" dirty="0"/>
           </a:p>
           <a:p>
             <a:pPr marL="285750" indent="-285750">
@@ -16600,7 +16601,7 @@
               </a:lnSpc>
             </a:pPr>
             <a:r>
-              <a:rPr lang="de-DE" dirty="0"/>
+              <a:rPr lang="de-DE" sz="1600" b="1" dirty="0"/>
               <a:t>WhatsApp</a:t>
             </a:r>
           </a:p>
@@ -16681,7 +16682,7 @@
         </p:blipFill>
         <p:spPr>
           <a:xfrm>
-            <a:off x="2708998" y="4117830"/>
+            <a:off x="3242398" y="4194030"/>
             <a:ext cx="464129" cy="470190"/>
           </a:xfrm>
           <a:prstGeom prst="rect">
@@ -16741,7 +16742,7 @@
         </p:blipFill>
         <p:spPr>
           <a:xfrm>
-            <a:off x="2693636" y="5933540"/>
+            <a:off x="3227036" y="6258660"/>
             <a:ext cx="525339" cy="514574"/>
           </a:xfrm>
           <a:prstGeom prst="rect">
@@ -16893,7 +16894,7 @@
         </p:blipFill>
         <p:spPr>
           <a:xfrm>
-            <a:off x="2727703" y="4624525"/>
+            <a:off x="3261103" y="4731205"/>
             <a:ext cx="427275" cy="694092"/>
           </a:xfrm>
           <a:prstGeom prst="rect">
@@ -16934,7 +16935,7 @@
         </p:blipFill>
         <p:spPr>
           <a:xfrm>
-            <a:off x="2727703" y="5398273"/>
+            <a:off x="3261103" y="5570993"/>
             <a:ext cx="426720" cy="495510"/>
           </a:xfrm>
           <a:prstGeom prst="rect">
@@ -17002,7 +17003,7 @@
         </p:blipFill>
         <p:spPr>
           <a:xfrm>
-            <a:off x="9222369" y="4268018"/>
+            <a:off x="9222369" y="4308658"/>
             <a:ext cx="483853" cy="483853"/>
           </a:xfrm>
           <a:prstGeom prst="rect">
@@ -17043,7 +17044,7 @@
         </p:blipFill>
         <p:spPr>
           <a:xfrm>
-            <a:off x="2681904" y="3560726"/>
+            <a:off x="3215304" y="3560726"/>
             <a:ext cx="518316" cy="608091"/>
           </a:xfrm>
           <a:prstGeom prst="rect">
@@ -17214,42 +17215,42 @@
           <a:lstStyle/>
           <a:p>
             <a:r>
-              <a:rPr lang="en-US" sz="2400"/>
+              <a:rPr lang="en-US" sz="2400" dirty="0"/>
               <a:t>Unable to host our database on the school server due to quarantine</a:t>
             </a:r>
           </a:p>
           <a:p>
-            <a:endParaRPr lang="en-US" sz="2400"/>
-          </a:p>
-          <a:p>
-            <a:r>
-              <a:rPr lang="en-US" sz="2400"/>
+            <a:endParaRPr lang="en-US" sz="2400" dirty="0"/>
+          </a:p>
+          <a:p>
+            <a:r>
+              <a:rPr lang="en-US" sz="2400" dirty="0"/>
               <a:t>Prototype had to be hosted via localhost</a:t>
             </a:r>
           </a:p>
           <a:p>
-            <a:endParaRPr lang="en-US" sz="2400"/>
-          </a:p>
-          <a:p>
-            <a:r>
-              <a:rPr lang="en-US" sz="2400"/>
+            <a:endParaRPr lang="en-US" sz="2400" dirty="0"/>
+          </a:p>
+          <a:p>
+            <a:r>
+              <a:rPr lang="en-US" sz="2400" dirty="0"/>
               <a:t>Simulation of prototype in WPF</a:t>
             </a:r>
           </a:p>
           <a:p>
-            <a:endParaRPr lang="en-US" sz="2400"/>
-          </a:p>
-          <a:p>
-            <a:r>
-              <a:rPr lang="en-US" sz="2400"/>
+            <a:endParaRPr lang="en-US" sz="2400" dirty="0"/>
+          </a:p>
+          <a:p>
+            <a:r>
+              <a:rPr lang="en-US" sz="2400" dirty="0"/>
               <a:t>Came across MongoDB to implement our database</a:t>
             </a:r>
           </a:p>
           <a:p>
-            <a:endParaRPr lang="en-US" sz="2400"/>
-          </a:p>
-          <a:p>
-            <a:endParaRPr lang="en-US" sz="2400"/>
+            <a:endParaRPr lang="en-US" sz="2400" dirty="0"/>
+          </a:p>
+          <a:p>
+            <a:endParaRPr lang="en-US" sz="2400" dirty="0"/>
           </a:p>
         </p:txBody>
       </p:sp>
@@ -18707,6 +18708,15 @@
 </file>
 
 <file path=customXml/item2.xml><?xml version="1.0" encoding="utf-8"?>
+<?mso-contentType ?>
+<FormTemplates xmlns="http://schemas.microsoft.com/sharepoint/v3/contenttype/forms">
+  <Display>DocumentLibraryForm</Display>
+  <Edit>DocumentLibraryForm</Edit>
+  <New>DocumentLibraryForm</New>
+</FormTemplates>
+</file>
+
+<file path=customXml/item3.xml><?xml version="1.0" encoding="utf-8"?>
 <ct:contentTypeSchema xmlns:ct="http://schemas.microsoft.com/office/2006/metadata/contentType" xmlns:ma="http://schemas.microsoft.com/office/2006/metadata/properties/metaAttributes" ct:_="" ma:_="" ma:contentTypeName="Dokument" ma:contentTypeID="0x0101000C0DF292CBD37A45BDB92E0A283F8FF9" ma:contentTypeVersion="10" ma:contentTypeDescription="Ein neues Dokument erstellen." ma:contentTypeScope="" ma:versionID="16d96a7330c3dd068266531104c3f3c4">
   <xsd:schema xmlns:xsd="http://www.w3.org/2001/XMLSchema" xmlns:xs="http://www.w3.org/2001/XMLSchema" xmlns:p="http://schemas.microsoft.com/office/2006/metadata/properties" xmlns:ns3="c2d3d569-9e62-4598-a009-022054453c0b" targetNamespace="http://schemas.microsoft.com/office/2006/metadata/properties" ma:root="true" ma:fieldsID="2eed2521d16c83da7b4205d464b9305e" ns3:_="">
     <xsd:import namespace="c2d3d569-9e62-4598-a009-022054453c0b"/>
@@ -18890,15 +18900,6 @@
 </ct:contentTypeSchema>
 </file>
 
-<file path=customXml/item3.xml><?xml version="1.0" encoding="utf-8"?>
-<?mso-contentType ?>
-<FormTemplates xmlns="http://schemas.microsoft.com/sharepoint/v3/contenttype/forms">
-  <Display>DocumentLibraryForm</Display>
-  <Edit>DocumentLibraryForm</Edit>
-  <New>DocumentLibraryForm</New>
-</FormTemplates>
-</file>
-
 <file path=customXml/itemProps1.xml><?xml version="1.0" encoding="utf-8"?>
 <ds:datastoreItem xmlns:ds="http://schemas.openxmlformats.org/officeDocument/2006/customXml" ds:itemID="{947A0EF5-23A9-4627-BC46-745B7DD804D2}">
   <ds:schemaRefs>
@@ -18916,6 +18917,14 @@
 </file>
 
 <file path=customXml/itemProps2.xml><?xml version="1.0" encoding="utf-8"?>
+<ds:datastoreItem xmlns:ds="http://schemas.openxmlformats.org/officeDocument/2006/customXml" ds:itemID="{8C5154C8-4BB5-43F2-9F6C-5E79271A0D50}">
+  <ds:schemaRefs>
+    <ds:schemaRef ds:uri="http://schemas.microsoft.com/sharepoint/v3/contenttype/forms"/>
+  </ds:schemaRefs>
+</ds:datastoreItem>
+</file>
+
+<file path=customXml/itemProps3.xml><?xml version="1.0" encoding="utf-8"?>
 <ds:datastoreItem xmlns:ds="http://schemas.openxmlformats.org/officeDocument/2006/customXml" ds:itemID="{13A0122E-7A7E-4B64-80A0-5A2A48F2C8F3}">
   <ds:schemaRefs>
     <ds:schemaRef ds:uri="http://schemas.microsoft.com/office/2006/metadata/contentType"/>
@@ -18931,12 +18940,4 @@
     <ds:schemaRef ds:uri="http://schemas.microsoft.com/internal/obd"/>
   </ds:schemaRefs>
 </ds:datastoreItem>
-</file>
-
-<file path=customXml/itemProps3.xml><?xml version="1.0" encoding="utf-8"?>
-<ds:datastoreItem xmlns:ds="http://schemas.openxmlformats.org/officeDocument/2006/customXml" ds:itemID="{8C5154C8-4BB5-43F2-9F6C-5E79271A0D50}">
-  <ds:schemaRefs>
-    <ds:schemaRef ds:uri="http://schemas.microsoft.com/sharepoint/v3/contenttype/forms"/>
-  </ds:schemaRefs>
-</ds:datastoreItem>
 </file>